--- a/paidy_fraud_data_analysis_presentation.pptx
+++ b/paidy_fraud_data_analysis_presentation.pptx
@@ -283,7 +283,7 @@
           <a:p>
             <a:fld id="{230DB4F8-F4C2-4C7A-970D-DEA66E683705}" type="datetimeFigureOut">
               <a:rPr lang="zh-TW" altLang="en-US" smtClean="0"/>
-              <a:t>2022/6/30</a:t>
+              <a:t>2022/7/1</a:t>
             </a:fld>
             <a:endParaRPr lang="zh-TW" altLang="en-US"/>
           </a:p>
@@ -481,7 +481,7 @@
           <a:p>
             <a:fld id="{230DB4F8-F4C2-4C7A-970D-DEA66E683705}" type="datetimeFigureOut">
               <a:rPr lang="zh-TW" altLang="en-US" smtClean="0"/>
-              <a:t>2022/6/30</a:t>
+              <a:t>2022/7/1</a:t>
             </a:fld>
             <a:endParaRPr lang="zh-TW" altLang="en-US"/>
           </a:p>
@@ -689,7 +689,7 @@
           <a:p>
             <a:fld id="{230DB4F8-F4C2-4C7A-970D-DEA66E683705}" type="datetimeFigureOut">
               <a:rPr lang="zh-TW" altLang="en-US" smtClean="0"/>
-              <a:t>2022/6/30</a:t>
+              <a:t>2022/7/1</a:t>
             </a:fld>
             <a:endParaRPr lang="zh-TW" altLang="en-US"/>
           </a:p>
@@ -1028,7 +1028,7 @@
           <a:p>
             <a:fld id="{230DB4F8-F4C2-4C7A-970D-DEA66E683705}" type="datetimeFigureOut">
               <a:rPr lang="zh-TW" altLang="en-US" smtClean="0"/>
-              <a:t>2022/6/30</a:t>
+              <a:t>2022/7/1</a:t>
             </a:fld>
             <a:endParaRPr lang="zh-TW" altLang="en-US"/>
           </a:p>
@@ -1303,7 +1303,7 @@
           <a:p>
             <a:fld id="{230DB4F8-F4C2-4C7A-970D-DEA66E683705}" type="datetimeFigureOut">
               <a:rPr lang="zh-TW" altLang="en-US" smtClean="0"/>
-              <a:t>2022/6/30</a:t>
+              <a:t>2022/7/1</a:t>
             </a:fld>
             <a:endParaRPr lang="zh-TW" altLang="en-US"/>
           </a:p>
@@ -1568,7 +1568,7 @@
           <a:p>
             <a:fld id="{230DB4F8-F4C2-4C7A-970D-DEA66E683705}" type="datetimeFigureOut">
               <a:rPr lang="zh-TW" altLang="en-US" smtClean="0"/>
-              <a:t>2022/6/30</a:t>
+              <a:t>2022/7/1</a:t>
             </a:fld>
             <a:endParaRPr lang="zh-TW" altLang="en-US"/>
           </a:p>
@@ -1980,7 +1980,7 @@
           <a:p>
             <a:fld id="{230DB4F8-F4C2-4C7A-970D-DEA66E683705}" type="datetimeFigureOut">
               <a:rPr lang="zh-TW" altLang="en-US" smtClean="0"/>
-              <a:t>2022/6/30</a:t>
+              <a:t>2022/7/1</a:t>
             </a:fld>
             <a:endParaRPr lang="zh-TW" altLang="en-US"/>
           </a:p>
@@ -2121,7 +2121,7 @@
           <a:p>
             <a:fld id="{230DB4F8-F4C2-4C7A-970D-DEA66E683705}" type="datetimeFigureOut">
               <a:rPr lang="zh-TW" altLang="en-US" smtClean="0"/>
-              <a:t>2022/6/30</a:t>
+              <a:t>2022/7/1</a:t>
             </a:fld>
             <a:endParaRPr lang="zh-TW" altLang="en-US"/>
           </a:p>
@@ -2234,7 +2234,7 @@
           <a:p>
             <a:fld id="{230DB4F8-F4C2-4C7A-970D-DEA66E683705}" type="datetimeFigureOut">
               <a:rPr lang="zh-TW" altLang="en-US" smtClean="0"/>
-              <a:t>2022/6/30</a:t>
+              <a:t>2022/7/1</a:t>
             </a:fld>
             <a:endParaRPr lang="zh-TW" altLang="en-US"/>
           </a:p>
@@ -2545,7 +2545,7 @@
           <a:p>
             <a:fld id="{230DB4F8-F4C2-4C7A-970D-DEA66E683705}" type="datetimeFigureOut">
               <a:rPr lang="zh-TW" altLang="en-US" smtClean="0"/>
-              <a:t>2022/6/30</a:t>
+              <a:t>2022/7/1</a:t>
             </a:fld>
             <a:endParaRPr lang="zh-TW" altLang="en-US"/>
           </a:p>
@@ -2833,7 +2833,7 @@
           <a:p>
             <a:fld id="{230DB4F8-F4C2-4C7A-970D-DEA66E683705}" type="datetimeFigureOut">
               <a:rPr lang="zh-TW" altLang="en-US" smtClean="0"/>
-              <a:t>2022/6/30</a:t>
+              <a:t>2022/7/1</a:t>
             </a:fld>
             <a:endParaRPr lang="zh-TW" altLang="en-US"/>
           </a:p>
@@ -3074,7 +3074,7 @@
           <a:p>
             <a:fld id="{230DB4F8-F4C2-4C7A-970D-DEA66E683705}" type="datetimeFigureOut">
               <a:rPr lang="zh-TW" altLang="en-US" smtClean="0"/>
-              <a:t>2022/6/30</a:t>
+              <a:t>2022/7/1</a:t>
             </a:fld>
             <a:endParaRPr lang="zh-TW" altLang="en-US"/>
           </a:p>
@@ -4157,7 +4157,7 @@
           </a:ln>
           <a:extLst>
             <a:ext uri="{C572A759-6A51-4108-AA02-DFA0A04FC94B}">
-              <ma14:wrappingTextBoxFlag xmlns="" xmlns:m="http://schemas.openxmlformats.org/officeDocument/2006/math" xmlns:a14="http://schemas.microsoft.com/office/drawing/2010/main" xmlns:ma14="http://schemas.microsoft.com/office/mac/drawingml/2011/main" val="1"/>
+              <ma14:wrappingTextBoxFlag xmlns:ma14="http://schemas.microsoft.com/office/mac/drawingml/2011/main" xmlns:a14="http://schemas.microsoft.com/office/drawing/2010/main" xmlns:m="http://schemas.openxmlformats.org/officeDocument/2006/math" xmlns="" val="1"/>
             </a:ext>
           </a:extLst>
         </p:spPr>
@@ -4582,8 +4582,44 @@
         </p:blipFill>
         <p:spPr>
           <a:xfrm>
-            <a:off x="3233936" y="2940861"/>
+            <a:off x="6184893" y="2799086"/>
             <a:ext cx="5168254" cy="3200000"/>
+          </a:xfrm>
+          <a:prstGeom prst="rect">
+            <a:avLst/>
+          </a:prstGeom>
+        </p:spPr>
+      </p:pic>
+      <p:pic>
+        <p:nvPicPr>
+          <p:cNvPr id="3" name="圖片 2">
+            <a:extLst>
+              <a:ext uri="{FF2B5EF4-FFF2-40B4-BE49-F238E27FC236}">
+                <a16:creationId xmlns:a16="http://schemas.microsoft.com/office/drawing/2014/main" id="{CA9E186F-AF97-065D-E411-E445CEE76D82}"/>
+              </a:ext>
+            </a:extLst>
+          </p:cNvPr>
+          <p:cNvPicPr>
+            <a:picLocks noChangeAspect="1"/>
+          </p:cNvPicPr>
+          <p:nvPr/>
+        </p:nvPicPr>
+        <p:blipFill>
+          <a:blip r:embed="rId5">
+            <a:extLst>
+              <a:ext uri="{28A0092B-C50C-407E-A947-70E740481C1C}">
+                <a14:useLocalDpi xmlns:a14="http://schemas.microsoft.com/office/drawing/2010/main" val="0"/>
+              </a:ext>
+            </a:extLst>
+          </a:blip>
+          <a:stretch>
+            <a:fillRect/>
+          </a:stretch>
+        </p:blipFill>
+        <p:spPr>
+          <a:xfrm>
+            <a:off x="643964" y="2799086"/>
+            <a:ext cx="4504928" cy="3137137"/>
           </a:xfrm>
           <a:prstGeom prst="rect">
             <a:avLst/>
@@ -4922,7 +4958,7 @@
           </a:ln>
           <a:extLst>
             <a:ext uri="{C572A759-6A51-4108-AA02-DFA0A04FC94B}">
-              <ma14:wrappingTextBoxFlag xmlns="" xmlns:m="http://schemas.openxmlformats.org/officeDocument/2006/math" xmlns:a14="http://schemas.microsoft.com/office/drawing/2010/main" xmlns:ma14="http://schemas.microsoft.com/office/mac/drawingml/2011/main" val="1"/>
+              <ma14:wrappingTextBoxFlag xmlns:ma14="http://schemas.microsoft.com/office/mac/drawingml/2011/main" xmlns:a14="http://schemas.microsoft.com/office/drawing/2010/main" xmlns:m="http://schemas.openxmlformats.org/officeDocument/2006/math" xmlns="" val="1"/>
             </a:ext>
           </a:extLst>
         </p:spPr>
@@ -5687,7 +5723,7 @@
           </a:ln>
           <a:extLst>
             <a:ext uri="{C572A759-6A51-4108-AA02-DFA0A04FC94B}">
-              <ma14:wrappingTextBoxFlag xmlns="" xmlns:m="http://schemas.openxmlformats.org/officeDocument/2006/math" xmlns:a14="http://schemas.microsoft.com/office/drawing/2010/main" xmlns:ma14="http://schemas.microsoft.com/office/mac/drawingml/2011/main" val="1"/>
+              <ma14:wrappingTextBoxFlag xmlns:ma14="http://schemas.microsoft.com/office/mac/drawingml/2011/main" xmlns:a14="http://schemas.microsoft.com/office/drawing/2010/main" xmlns:m="http://schemas.openxmlformats.org/officeDocument/2006/math" xmlns="" val="1"/>
             </a:ext>
           </a:extLst>
         </p:spPr>
@@ -6924,7 +6960,7 @@
           </a:ln>
           <a:extLst>
             <a:ext uri="{C572A759-6A51-4108-AA02-DFA0A04FC94B}">
-              <ma14:wrappingTextBoxFlag xmlns="" xmlns:m="http://schemas.openxmlformats.org/officeDocument/2006/math" xmlns:a14="http://schemas.microsoft.com/office/drawing/2010/main" xmlns:ma14="http://schemas.microsoft.com/office/mac/drawingml/2011/main" val="1"/>
+              <ma14:wrappingTextBoxFlag xmlns:ma14="http://schemas.microsoft.com/office/mac/drawingml/2011/main" xmlns:a14="http://schemas.microsoft.com/office/drawing/2010/main" xmlns:m="http://schemas.openxmlformats.org/officeDocument/2006/math" xmlns="" val="1"/>
             </a:ext>
           </a:extLst>
         </p:spPr>
@@ -7921,7 +7957,7 @@
           </a:ln>
           <a:extLst>
             <a:ext uri="{C572A759-6A51-4108-AA02-DFA0A04FC94B}">
-              <ma14:wrappingTextBoxFlag xmlns="" xmlns:m="http://schemas.openxmlformats.org/officeDocument/2006/math" xmlns:a14="http://schemas.microsoft.com/office/drawing/2010/main" xmlns:ma14="http://schemas.microsoft.com/office/mac/drawingml/2011/main" val="1"/>
+              <ma14:wrappingTextBoxFlag xmlns:ma14="http://schemas.microsoft.com/office/mac/drawingml/2011/main" xmlns:a14="http://schemas.microsoft.com/office/drawing/2010/main" xmlns:m="http://schemas.openxmlformats.org/officeDocument/2006/math" xmlns="" val="1"/>
             </a:ext>
           </a:extLst>
         </p:spPr>
@@ -8572,7 +8608,7 @@
             </a:ln>
             <a:extLst>
               <a:ext uri="{C572A759-6A51-4108-AA02-DFA0A04FC94B}">
-                <ma14:wrappingTextBoxFlag xmlns="" xmlns:m="http://schemas.openxmlformats.org/officeDocument/2006/math" xmlns:a14="http://schemas.microsoft.com/office/drawing/2010/main" xmlns:ma14="http://schemas.microsoft.com/office/mac/drawingml/2011/main" val="1"/>
+                <ma14:wrappingTextBoxFlag xmlns:ma14="http://schemas.microsoft.com/office/mac/drawingml/2011/main" xmlns:a14="http://schemas.microsoft.com/office/drawing/2010/main" xmlns:m="http://schemas.openxmlformats.org/officeDocument/2006/math" xmlns="" val="1"/>
               </a:ext>
             </a:extLst>
           </p:spPr>
@@ -8776,7 +8812,7 @@
             </a:ln>
             <a:extLst>
               <a:ext uri="{C572A759-6A51-4108-AA02-DFA0A04FC94B}">
-                <ma14:wrappingTextBoxFlag xmlns="" xmlns:m="http://schemas.openxmlformats.org/officeDocument/2006/math" xmlns:a14="http://schemas.microsoft.com/office/drawing/2010/main" xmlns:ma14="http://schemas.microsoft.com/office/mac/drawingml/2011/main" val="1"/>
+                <ma14:wrappingTextBoxFlag xmlns:ma14="http://schemas.microsoft.com/office/mac/drawingml/2011/main" xmlns:a14="http://schemas.microsoft.com/office/drawing/2010/main" xmlns:m="http://schemas.openxmlformats.org/officeDocument/2006/math" xmlns="" val="1"/>
               </a:ext>
             </a:extLst>
           </p:spPr>
@@ -8944,7 +8980,7 @@
             </a:ln>
             <a:extLst>
               <a:ext uri="{C572A759-6A51-4108-AA02-DFA0A04FC94B}">
-                <ma14:wrappingTextBoxFlag xmlns="" xmlns:m="http://schemas.openxmlformats.org/officeDocument/2006/math" xmlns:a14="http://schemas.microsoft.com/office/drawing/2010/main" xmlns:ma14="http://schemas.microsoft.com/office/mac/drawingml/2011/main" val="1"/>
+                <ma14:wrappingTextBoxFlag xmlns:ma14="http://schemas.microsoft.com/office/mac/drawingml/2011/main" xmlns:a14="http://schemas.microsoft.com/office/drawing/2010/main" xmlns:m="http://schemas.openxmlformats.org/officeDocument/2006/math" xmlns="" val="1"/>
               </a:ext>
             </a:extLst>
           </p:spPr>
@@ -9112,7 +9148,7 @@
             </a:ln>
             <a:extLst>
               <a:ext uri="{C572A759-6A51-4108-AA02-DFA0A04FC94B}">
-                <ma14:wrappingTextBoxFlag xmlns="" xmlns:m="http://schemas.openxmlformats.org/officeDocument/2006/math" xmlns:a14="http://schemas.microsoft.com/office/drawing/2010/main" xmlns:ma14="http://schemas.microsoft.com/office/mac/drawingml/2011/main" val="1"/>
+                <ma14:wrappingTextBoxFlag xmlns:ma14="http://schemas.microsoft.com/office/mac/drawingml/2011/main" xmlns:a14="http://schemas.microsoft.com/office/drawing/2010/main" xmlns:m="http://schemas.openxmlformats.org/officeDocument/2006/math" xmlns="" val="1"/>
               </a:ext>
             </a:extLst>
           </p:spPr>
@@ -9280,7 +9316,7 @@
             </a:ln>
             <a:extLst>
               <a:ext uri="{C572A759-6A51-4108-AA02-DFA0A04FC94B}">
-                <ma14:wrappingTextBoxFlag xmlns="" xmlns:m="http://schemas.openxmlformats.org/officeDocument/2006/math" xmlns:a14="http://schemas.microsoft.com/office/drawing/2010/main" xmlns:ma14="http://schemas.microsoft.com/office/mac/drawingml/2011/main" val="1"/>
+                <ma14:wrappingTextBoxFlag xmlns:ma14="http://schemas.microsoft.com/office/mac/drawingml/2011/main" xmlns:a14="http://schemas.microsoft.com/office/drawing/2010/main" xmlns:m="http://schemas.openxmlformats.org/officeDocument/2006/math" xmlns="" val="1"/>
               </a:ext>
             </a:extLst>
           </p:spPr>
@@ -9900,7 +9936,7 @@
           </a:ln>
           <a:extLst>
             <a:ext uri="{C572A759-6A51-4108-AA02-DFA0A04FC94B}">
-              <ma14:wrappingTextBoxFlag xmlns="" xmlns:m="http://schemas.openxmlformats.org/officeDocument/2006/math" xmlns:a14="http://schemas.microsoft.com/office/drawing/2010/main" xmlns:ma14="http://schemas.microsoft.com/office/mac/drawingml/2011/main" val="1"/>
+              <ma14:wrappingTextBoxFlag xmlns:ma14="http://schemas.microsoft.com/office/mac/drawingml/2011/main" xmlns:a14="http://schemas.microsoft.com/office/drawing/2010/main" xmlns:m="http://schemas.openxmlformats.org/officeDocument/2006/math" xmlns="" val="1"/>
             </a:ext>
           </a:extLst>
         </p:spPr>
@@ -10571,7 +10607,7 @@
           </a:ln>
           <a:extLst>
             <a:ext uri="{C572A759-6A51-4108-AA02-DFA0A04FC94B}">
-              <ma14:wrappingTextBoxFlag xmlns="" xmlns:m="http://schemas.openxmlformats.org/officeDocument/2006/math" xmlns:a14="http://schemas.microsoft.com/office/drawing/2010/main" xmlns:ma14="http://schemas.microsoft.com/office/mac/drawingml/2011/main" val="1"/>
+              <ma14:wrappingTextBoxFlag xmlns:ma14="http://schemas.microsoft.com/office/mac/drawingml/2011/main" xmlns:a14="http://schemas.microsoft.com/office/drawing/2010/main" xmlns:m="http://schemas.openxmlformats.org/officeDocument/2006/math" xmlns="" val="1"/>
             </a:ext>
           </a:extLst>
         </p:spPr>
@@ -11255,7 +11291,7 @@
           </a:ln>
           <a:extLst>
             <a:ext uri="{C572A759-6A51-4108-AA02-DFA0A04FC94B}">
-              <ma14:wrappingTextBoxFlag xmlns="" xmlns:m="http://schemas.openxmlformats.org/officeDocument/2006/math" xmlns:a14="http://schemas.microsoft.com/office/drawing/2010/main" xmlns:ma14="http://schemas.microsoft.com/office/mac/drawingml/2011/main" val="1"/>
+              <ma14:wrappingTextBoxFlag xmlns:ma14="http://schemas.microsoft.com/office/mac/drawingml/2011/main" xmlns:a14="http://schemas.microsoft.com/office/drawing/2010/main" xmlns:m="http://schemas.openxmlformats.org/officeDocument/2006/math" xmlns="" val="1"/>
             </a:ext>
           </a:extLst>
         </p:spPr>
@@ -11890,7 +11926,7 @@
           </a:ln>
           <a:extLst>
             <a:ext uri="{C572A759-6A51-4108-AA02-DFA0A04FC94B}">
-              <ma14:wrappingTextBoxFlag xmlns="" xmlns:m="http://schemas.openxmlformats.org/officeDocument/2006/math" xmlns:a14="http://schemas.microsoft.com/office/drawing/2010/main" xmlns:ma14="http://schemas.microsoft.com/office/mac/drawingml/2011/main" val="1"/>
+              <ma14:wrappingTextBoxFlag xmlns:ma14="http://schemas.microsoft.com/office/mac/drawingml/2011/main" xmlns:a14="http://schemas.microsoft.com/office/drawing/2010/main" xmlns:m="http://schemas.openxmlformats.org/officeDocument/2006/math" xmlns="" val="1"/>
             </a:ext>
           </a:extLst>
         </p:spPr>
@@ -13078,7 +13114,7 @@
           </a:ln>
           <a:extLst>
             <a:ext uri="{C572A759-6A51-4108-AA02-DFA0A04FC94B}">
-              <ma14:wrappingTextBoxFlag xmlns="" xmlns:m="http://schemas.openxmlformats.org/officeDocument/2006/math" xmlns:a14="http://schemas.microsoft.com/office/drawing/2010/main" xmlns:ma14="http://schemas.microsoft.com/office/mac/drawingml/2011/main" val="1"/>
+              <ma14:wrappingTextBoxFlag xmlns:ma14="http://schemas.microsoft.com/office/mac/drawingml/2011/main" xmlns:a14="http://schemas.microsoft.com/office/drawing/2010/main" xmlns:m="http://schemas.openxmlformats.org/officeDocument/2006/math" xmlns="" val="1"/>
             </a:ext>
           </a:extLst>
         </p:spPr>
@@ -14360,7 +14396,7 @@
           </a:ln>
           <a:extLst>
             <a:ext uri="{C572A759-6A51-4108-AA02-DFA0A04FC94B}">
-              <ma14:wrappingTextBoxFlag xmlns="" xmlns:m="http://schemas.openxmlformats.org/officeDocument/2006/math" xmlns:a14="http://schemas.microsoft.com/office/drawing/2010/main" xmlns:ma14="http://schemas.microsoft.com/office/mac/drawingml/2011/main" val="1"/>
+              <ma14:wrappingTextBoxFlag xmlns:ma14="http://schemas.microsoft.com/office/mac/drawingml/2011/main" xmlns:a14="http://schemas.microsoft.com/office/drawing/2010/main" xmlns:m="http://schemas.openxmlformats.org/officeDocument/2006/math" xmlns="" val="1"/>
             </a:ext>
           </a:extLst>
         </p:spPr>
@@ -15034,7 +15070,7 @@
           </a:ln>
           <a:extLst>
             <a:ext uri="{C572A759-6A51-4108-AA02-DFA0A04FC94B}">
-              <ma14:wrappingTextBoxFlag xmlns="" xmlns:m="http://schemas.openxmlformats.org/officeDocument/2006/math" xmlns:a14="http://schemas.microsoft.com/office/drawing/2010/main" xmlns:ma14="http://schemas.microsoft.com/office/mac/drawingml/2011/main" val="1"/>
+              <ma14:wrappingTextBoxFlag xmlns:ma14="http://schemas.microsoft.com/office/mac/drawingml/2011/main" xmlns:a14="http://schemas.microsoft.com/office/drawing/2010/main" xmlns:m="http://schemas.openxmlformats.org/officeDocument/2006/math" xmlns="" val="1"/>
             </a:ext>
           </a:extLst>
         </p:spPr>
